--- a/Presentation/Pavel_Ryabov__Microsoft_Azure_2015.pptx
+++ b/Presentation/Pavel_Ryabov__Microsoft_Azure_2015.pptx
@@ -363,7 +363,6 @@
             <c:showLeaderLines val="0"/>
             <c:extLst>
               <c:ext xmlns:c15="http://schemas.microsoft.com/office/drawing/2012/chart" uri="{CE6537A1-D6FC-4f65-9D91-7224C49458BB}">
-                <c15:layout/>
                 <c15:showLeaderLines val="1"/>
                 <c15:leaderLines>
                   <c:spPr>
@@ -507,7 +506,6 @@
             <c:showLeaderLines val="0"/>
             <c:extLst>
               <c:ext xmlns:c15="http://schemas.microsoft.com/office/drawing/2012/chart" uri="{CE6537A1-D6FC-4f65-9D91-7224C49458BB}">
-                <c15:layout/>
                 <c15:showLeaderLines val="1"/>
                 <c15:leaderLines>
                   <c:spPr>
@@ -651,7 +649,6 @@
             <c:showLeaderLines val="0"/>
             <c:extLst>
               <c:ext xmlns:c15="http://schemas.microsoft.com/office/drawing/2012/chart" uri="{CE6537A1-D6FC-4f65-9D91-7224C49458BB}">
-                <c15:layout/>
                 <c15:showLeaderLines val="1"/>
                 <c15:leaderLines>
                   <c:spPr>
@@ -740,12 +737,12 @@
         </c:dLbls>
         <c:gapWidth val="150"/>
         <c:shape val="box"/>
-        <c:axId val="594879232"/>
-        <c:axId val="594873792"/>
+        <c:axId val="-731018624"/>
+        <c:axId val="-731008832"/>
         <c:axId val="0"/>
       </c:bar3DChart>
       <c:catAx>
-        <c:axId val="594879232"/>
+        <c:axId val="-731018624"/>
         <c:scaling>
           <c:orientation val="minMax"/>
         </c:scaling>
@@ -796,7 +793,7 @@
             <a:endParaRPr lang="ru-RU"/>
           </a:p>
         </c:txPr>
-        <c:crossAx val="594873792"/>
+        <c:crossAx val="-731008832"/>
         <c:crosses val="autoZero"/>
         <c:auto val="1"/>
         <c:lblAlgn val="ctr"/>
@@ -804,7 +801,7 @@
         <c:noMultiLvlLbl val="0"/>
       </c:catAx>
       <c:valAx>
-        <c:axId val="594873792"/>
+        <c:axId val="-731008832"/>
         <c:scaling>
           <c:orientation val="minMax"/>
           <c:max val="1"/>
@@ -858,7 +855,7 @@
             <a:endParaRPr lang="ru-RU"/>
           </a:p>
         </c:txPr>
-        <c:crossAx val="594879232"/>
+        <c:crossAx val="-731018624"/>
         <c:crosses val="autoZero"/>
         <c:crossBetween val="between"/>
       </c:valAx>
@@ -1087,7 +1084,6 @@
             <c:showLeaderLines val="0"/>
             <c:extLst>
               <c:ext xmlns:c15="http://schemas.microsoft.com/office/drawing/2012/chart" uri="{CE6537A1-D6FC-4f65-9D91-7224C49458BB}">
-                <c15:layout/>
                 <c15:showLeaderLines val="1"/>
                 <c15:leaderLines>
                   <c:spPr>
@@ -1207,9 +1203,7 @@
               <c:showPercent val="0"/>
               <c:showBubbleSize val="0"/>
               <c:extLst>
-                <c:ext xmlns:c15="http://schemas.microsoft.com/office/drawing/2012/chart" uri="{CE6537A1-D6FC-4f65-9D91-7224C49458BB}">
-                  <c15:layout/>
-                </c:ext>
+                <c:ext xmlns:c15="http://schemas.microsoft.com/office/drawing/2012/chart" uri="{CE6537A1-D6FC-4f65-9D91-7224C49458BB}"/>
               </c:extLst>
             </c:dLbl>
             <c:dLbl>
@@ -1227,9 +1221,7 @@
               <c:showPercent val="0"/>
               <c:showBubbleSize val="0"/>
               <c:extLst>
-                <c:ext xmlns:c15="http://schemas.microsoft.com/office/drawing/2012/chart" uri="{CE6537A1-D6FC-4f65-9D91-7224C49458BB}">
-                  <c15:layout/>
-                </c:ext>
+                <c:ext xmlns:c15="http://schemas.microsoft.com/office/drawing/2012/chart" uri="{CE6537A1-D6FC-4f65-9D91-7224C49458BB}"/>
               </c:extLst>
             </c:dLbl>
             <c:dLbl>
@@ -1247,9 +1239,7 @@
               <c:showPercent val="0"/>
               <c:showBubbleSize val="0"/>
               <c:extLst>
-                <c:ext xmlns:c15="http://schemas.microsoft.com/office/drawing/2012/chart" uri="{CE6537A1-D6FC-4f65-9D91-7224C49458BB}">
-                  <c15:layout/>
-                </c:ext>
+                <c:ext xmlns:c15="http://schemas.microsoft.com/office/drawing/2012/chart" uri="{CE6537A1-D6FC-4f65-9D91-7224C49458BB}"/>
               </c:extLst>
             </c:dLbl>
             <c:dLbl>
@@ -1322,9 +1312,7 @@
               <c:showPercent val="0"/>
               <c:showBubbleSize val="0"/>
               <c:extLst>
-                <c:ext xmlns:c15="http://schemas.microsoft.com/office/drawing/2012/chart" uri="{CE6537A1-D6FC-4f65-9D91-7224C49458BB}">
-                  <c15:layout/>
-                </c:ext>
+                <c:ext xmlns:c15="http://schemas.microsoft.com/office/drawing/2012/chart" uri="{CE6537A1-D6FC-4f65-9D91-7224C49458BB}"/>
               </c:extLst>
             </c:dLbl>
             <c:dLbl>
@@ -1342,9 +1330,7 @@
               <c:showPercent val="0"/>
               <c:showBubbleSize val="0"/>
               <c:extLst>
-                <c:ext xmlns:c15="http://schemas.microsoft.com/office/drawing/2012/chart" uri="{CE6537A1-D6FC-4f65-9D91-7224C49458BB}">
-                  <c15:layout/>
-                </c:ext>
+                <c:ext xmlns:c15="http://schemas.microsoft.com/office/drawing/2012/chart" uri="{CE6537A1-D6FC-4f65-9D91-7224C49458BB}"/>
               </c:extLst>
             </c:dLbl>
             <c:dLbl>
@@ -1362,9 +1348,7 @@
               <c:showPercent val="0"/>
               <c:showBubbleSize val="0"/>
               <c:extLst>
-                <c:ext xmlns:c15="http://schemas.microsoft.com/office/drawing/2012/chart" uri="{CE6537A1-D6FC-4f65-9D91-7224C49458BB}">
-                  <c15:layout/>
-                </c:ext>
+                <c:ext xmlns:c15="http://schemas.microsoft.com/office/drawing/2012/chart" uri="{CE6537A1-D6FC-4f65-9D91-7224C49458BB}"/>
               </c:extLst>
             </c:dLbl>
             <c:numFmt formatCode="0%" sourceLinked="0"/>
@@ -1494,12 +1478,12 @@
         </c:dLbls>
         <c:gapWidth val="150"/>
         <c:shape val="box"/>
-        <c:axId val="594883584"/>
-        <c:axId val="594884128"/>
+        <c:axId val="-731020800"/>
+        <c:axId val="-731015360"/>
         <c:axId val="0"/>
       </c:bar3DChart>
       <c:catAx>
-        <c:axId val="594883584"/>
+        <c:axId val="-731020800"/>
         <c:scaling>
           <c:orientation val="minMax"/>
         </c:scaling>
@@ -1550,7 +1534,7 @@
             <a:endParaRPr lang="ru-RU"/>
           </a:p>
         </c:txPr>
-        <c:crossAx val="594884128"/>
+        <c:crossAx val="-731015360"/>
         <c:crosses val="autoZero"/>
         <c:auto val="1"/>
         <c:lblAlgn val="ctr"/>
@@ -1558,7 +1542,7 @@
         <c:noMultiLvlLbl val="0"/>
       </c:catAx>
       <c:valAx>
-        <c:axId val="594884128"/>
+        <c:axId val="-731015360"/>
         <c:scaling>
           <c:orientation val="minMax"/>
           <c:max val="1"/>
@@ -1612,7 +1596,7 @@
             <a:endParaRPr lang="ru-RU"/>
           </a:p>
         </c:txPr>
-        <c:crossAx val="594883584"/>
+        <c:crossAx val="-731020800"/>
         <c:crosses val="autoZero"/>
         <c:crossBetween val="between"/>
       </c:valAx>
@@ -1752,7 +1736,6 @@
           </a:p>
         </c:rich>
       </c:tx>
-      <c:layout/>
       <c:overlay val="0"/>
       <c:spPr>
         <a:noFill/>
@@ -1948,7 +1931,6 @@
           <c:dLbls>
             <c:dLbl>
               <c:idx val="0"/>
-              <c:layout/>
               <c:numFmt formatCode="0%" sourceLinked="0"/>
               <c:spPr>
                 <a:solidFill>
@@ -1999,14 +1981,11 @@
               <c:showPercent val="0"/>
               <c:showBubbleSize val="0"/>
               <c:extLst>
-                <c:ext xmlns:c15="http://schemas.microsoft.com/office/drawing/2012/chart" uri="{CE6537A1-D6FC-4f65-9D91-7224C49458BB}">
-                  <c15:layout/>
-                </c:ext>
+                <c:ext xmlns:c15="http://schemas.microsoft.com/office/drawing/2012/chart" uri="{CE6537A1-D6FC-4f65-9D91-7224C49458BB}"/>
               </c:extLst>
             </c:dLbl>
             <c:dLbl>
               <c:idx val="1"/>
-              <c:layout/>
               <c:numFmt formatCode="0%" sourceLinked="0"/>
               <c:spPr>
                 <a:solidFill>
@@ -2057,14 +2036,11 @@
               <c:showPercent val="0"/>
               <c:showBubbleSize val="0"/>
               <c:extLst>
-                <c:ext xmlns:c15="http://schemas.microsoft.com/office/drawing/2012/chart" uri="{CE6537A1-D6FC-4f65-9D91-7224C49458BB}">
-                  <c15:layout/>
-                </c:ext>
+                <c:ext xmlns:c15="http://schemas.microsoft.com/office/drawing/2012/chart" uri="{CE6537A1-D6FC-4f65-9D91-7224C49458BB}"/>
               </c:extLst>
             </c:dLbl>
             <c:dLbl>
               <c:idx val="2"/>
-              <c:layout/>
               <c:numFmt formatCode="0%" sourceLinked="0"/>
               <c:spPr>
                 <a:solidFill>
@@ -2115,9 +2091,7 @@
               <c:showPercent val="0"/>
               <c:showBubbleSize val="0"/>
               <c:extLst>
-                <c:ext xmlns:c15="http://schemas.microsoft.com/office/drawing/2012/chart" uri="{CE6537A1-D6FC-4f65-9D91-7224C49458BB}">
-                  <c15:layout/>
-                </c:ext>
+                <c:ext xmlns:c15="http://schemas.microsoft.com/office/drawing/2012/chart" uri="{CE6537A1-D6FC-4f65-9D91-7224C49458BB}"/>
               </c:extLst>
             </c:dLbl>
             <c:numFmt formatCode="0%" sourceLinked="0"/>
@@ -7667,34 +7641,34 @@
     </dgm:pt>
   </dgm:ptLst>
   <dgm:cxnLst>
+    <dgm:cxn modelId="{96368859-3A55-46AA-8E2B-F59EFD30561D}" type="presOf" srcId="{D4264C84-DA7B-4508-9532-4644FCDEE5B2}" destId="{C149EBB8-3917-4B9E-BF24-523233CE233B}" srcOrd="0" destOrd="0" presId="urn:microsoft.com/office/officeart/2005/8/layout/hierarchy3"/>
+    <dgm:cxn modelId="{7EFACC95-AF91-4505-8A30-75FD39A488EB}" srcId="{6FAABCA6-FB25-4464-A7FE-8DAB65ADB160}" destId="{8490BF78-232F-427F-B773-9C70B327719B}" srcOrd="1" destOrd="0" parTransId="{D5A180AB-7DF3-481E-9E6A-8112F4CF0F95}" sibTransId="{9467081E-E0F8-49B0-9B62-802ACEC10C2D}"/>
+    <dgm:cxn modelId="{F8C66723-4659-4BF8-ACFF-6ECF371ABBCF}" type="presOf" srcId="{E2C34334-2C51-48AE-BAEA-79BB0EFBA6DE}" destId="{19B1B3E5-463B-43BF-881C-F0D1BAFDFC94}" srcOrd="1" destOrd="0" presId="urn:microsoft.com/office/officeart/2005/8/layout/hierarchy3"/>
+    <dgm:cxn modelId="{AD2BCC15-2CF5-45E3-9089-B9F634EFEE07}" type="presOf" srcId="{6FAABCA6-FB25-4464-A7FE-8DAB65ADB160}" destId="{8FFD7CFC-5BFE-4DCE-B56D-53514EEE5E62}" srcOrd="1" destOrd="0" presId="urn:microsoft.com/office/officeart/2005/8/layout/hierarchy3"/>
+    <dgm:cxn modelId="{1ACB8824-29D8-4212-AAA6-9E274D79C335}" type="presOf" srcId="{AF542423-2D2F-4053-9EC6-9262AA8CAB23}" destId="{95820F0A-88BC-4468-89B9-C248448B3CF2}" srcOrd="0" destOrd="0" presId="urn:microsoft.com/office/officeart/2005/8/layout/hierarchy3"/>
+    <dgm:cxn modelId="{DA120D24-9DD8-4D34-B514-3137CB337301}" type="presOf" srcId="{6FAABCA6-FB25-4464-A7FE-8DAB65ADB160}" destId="{6B800C13-48DA-486C-AB76-42A0E39080B4}" srcOrd="0" destOrd="0" presId="urn:microsoft.com/office/officeart/2005/8/layout/hierarchy3"/>
+    <dgm:cxn modelId="{69937B28-A75E-41DB-A7FF-5FAAE939522C}" type="presOf" srcId="{8490BF78-232F-427F-B773-9C70B327719B}" destId="{DB4959C4-C5F9-48A1-959D-1E574D1D9576}" srcOrd="0" destOrd="0" presId="urn:microsoft.com/office/officeart/2005/8/layout/hierarchy3"/>
+    <dgm:cxn modelId="{7FC666C2-98C8-4445-95E0-5BAC36D2A5C8}" type="presOf" srcId="{3B14976E-384F-416F-A29B-E8FAC63812FD}" destId="{10D77D0D-C89A-47F1-B7BF-2450E7AE72E3}" srcOrd="0" destOrd="0" presId="urn:microsoft.com/office/officeart/2005/8/layout/hierarchy3"/>
+    <dgm:cxn modelId="{39365872-F163-454A-9225-67F5EFB0B580}" type="presOf" srcId="{410C1EF5-8985-4361-AB5F-F87726CA9932}" destId="{9E4726B3-E206-4382-9B4E-5C657CBF5592}" srcOrd="0" destOrd="0" presId="urn:microsoft.com/office/officeart/2005/8/layout/hierarchy3"/>
+    <dgm:cxn modelId="{5D2513F6-7F6F-4FFB-8754-BD1ED7F35378}" srcId="{E2C34334-2C51-48AE-BAEA-79BB0EFBA6DE}" destId="{4E7475CA-5ED3-4753-BE43-82805BD5328A}" srcOrd="0" destOrd="0" parTransId="{BAEFA4D8-9367-432F-AD2E-0BF0EC661B89}" sibTransId="{5D33EC8F-A5E5-445D-B78B-88E79691FC4D}"/>
+    <dgm:cxn modelId="{B0BE8026-DB7B-45F8-B975-0652AB233C03}" srcId="{E2C34334-2C51-48AE-BAEA-79BB0EFBA6DE}" destId="{DA46DD3C-C18E-4591-B4A8-34FA606FD284}" srcOrd="2" destOrd="0" parTransId="{729BA7B8-8FDF-4F8D-A29C-0CF99F4AF7F4}" sibTransId="{3C78FB92-A926-4CB6-8EA2-E3EC8E00F58D}"/>
+    <dgm:cxn modelId="{AC5EFE5D-BF1C-490B-B539-2084833DC818}" type="presOf" srcId="{313B830B-42E2-4333-BA47-4168C25B7029}" destId="{F4405AB6-BD78-4C65-9EA2-09C31201E929}" srcOrd="0" destOrd="0" presId="urn:microsoft.com/office/officeart/2005/8/layout/hierarchy3"/>
+    <dgm:cxn modelId="{21EE8E76-7BFB-4D1F-95EA-F0B4E9E10745}" type="presOf" srcId="{4E7475CA-5ED3-4753-BE43-82805BD5328A}" destId="{B346AA34-76C9-41C7-9B9B-9C3C02DCE109}" srcOrd="0" destOrd="0" presId="urn:microsoft.com/office/officeart/2005/8/layout/hierarchy3"/>
+    <dgm:cxn modelId="{DBA053F4-B513-44A5-848F-108D8A642597}" type="presOf" srcId="{E2C34334-2C51-48AE-BAEA-79BB0EFBA6DE}" destId="{C93B9A4A-4AFE-4AF4-9607-29B2F3B172E8}" srcOrd="0" destOrd="0" presId="urn:microsoft.com/office/officeart/2005/8/layout/hierarchy3"/>
+    <dgm:cxn modelId="{E3E6B37E-8F5C-4FF4-A187-5C2AB43A961C}" srcId="{410C1EF5-8985-4361-AB5F-F87726CA9932}" destId="{6FAABCA6-FB25-4464-A7FE-8DAB65ADB160}" srcOrd="1" destOrd="0" parTransId="{598F26C7-4B32-4DF1-A80F-8E360B07A788}" sibTransId="{D387E310-DBDE-44F4-A49E-73EB5B7129F5}"/>
+    <dgm:cxn modelId="{E055A557-D019-41BA-B7CF-BCA9146EA9F6}" type="presOf" srcId="{729BA7B8-8FDF-4F8D-A29C-0CF99F4AF7F4}" destId="{E07DC683-12BF-4CA6-A3E8-BFB30DBBD797}" srcOrd="0" destOrd="0" presId="urn:microsoft.com/office/officeart/2005/8/layout/hierarchy3"/>
     <dgm:cxn modelId="{92A48866-F4F0-4D97-BD63-8C48F1A98AAA}" type="presOf" srcId="{E24FF842-F573-4500-B1BC-FBC03C7DB2B6}" destId="{AA5383FC-0330-4528-AC8F-650C76089FD5}" srcOrd="0" destOrd="0" presId="urn:microsoft.com/office/officeart/2005/8/layout/hierarchy3"/>
-    <dgm:cxn modelId="{69937B28-A75E-41DB-A7FF-5FAAE939522C}" type="presOf" srcId="{8490BF78-232F-427F-B773-9C70B327719B}" destId="{DB4959C4-C5F9-48A1-959D-1E574D1D9576}" srcOrd="0" destOrd="0" presId="urn:microsoft.com/office/officeart/2005/8/layout/hierarchy3"/>
-    <dgm:cxn modelId="{7EFACC95-AF91-4505-8A30-75FD39A488EB}" srcId="{6FAABCA6-FB25-4464-A7FE-8DAB65ADB160}" destId="{8490BF78-232F-427F-B773-9C70B327719B}" srcOrd="1" destOrd="0" parTransId="{D5A180AB-7DF3-481E-9E6A-8112F4CF0F95}" sibTransId="{9467081E-E0F8-49B0-9B62-802ACEC10C2D}"/>
+    <dgm:cxn modelId="{0D4A9A87-F45E-4EE8-870B-424D8FFAC3BE}" type="presOf" srcId="{102EA773-6813-4493-B481-41625C67BB67}" destId="{2242FD2F-21A0-4025-9E75-14F1BC1A1DBC}" srcOrd="0" destOrd="0" presId="urn:microsoft.com/office/officeart/2005/8/layout/hierarchy3"/>
+    <dgm:cxn modelId="{7CB99BEB-2E83-4F81-BBFC-C156FB3F16DD}" srcId="{6FAABCA6-FB25-4464-A7FE-8DAB65ADB160}" destId="{7D954E31-6A1A-4D62-9F1A-CED7147A433F}" srcOrd="3" destOrd="0" parTransId="{3B313C80-7719-48C4-9962-CB322F2505DC}" sibTransId="{6F30FAE4-10FB-4B10-B496-01CC2B28F0E5}"/>
+    <dgm:cxn modelId="{1930EF68-D84A-4118-BDEB-5D89AE770AFC}" type="presOf" srcId="{DA46DD3C-C18E-4591-B4A8-34FA606FD284}" destId="{0F5D0450-2495-4127-BBF5-DF08AA66B43C}" srcOrd="0" destOrd="0" presId="urn:microsoft.com/office/officeart/2005/8/layout/hierarchy3"/>
+    <dgm:cxn modelId="{206E7DDE-B887-4F56-BCFC-9E35D1617BCF}" type="presOf" srcId="{BAEFA4D8-9367-432F-AD2E-0BF0EC661B89}" destId="{A6066A99-DDBF-492F-AF61-70D2570F9D90}" srcOrd="0" destOrd="0" presId="urn:microsoft.com/office/officeart/2005/8/layout/hierarchy3"/>
+    <dgm:cxn modelId="{0A6035FD-3DC0-4BE0-94EC-4F4B299E16EA}" srcId="{6FAABCA6-FB25-4464-A7FE-8DAB65ADB160}" destId="{E24FF842-F573-4500-B1BC-FBC03C7DB2B6}" srcOrd="0" destOrd="0" parTransId="{313B830B-42E2-4333-BA47-4168C25B7029}" sibTransId="{743D9D6A-6FF1-4544-91FD-9DFF987A092D}"/>
+    <dgm:cxn modelId="{784C9011-762D-4060-9F48-A206C73EF34A}" srcId="{410C1EF5-8985-4361-AB5F-F87726CA9932}" destId="{E2C34334-2C51-48AE-BAEA-79BB0EFBA6DE}" srcOrd="0" destOrd="0" parTransId="{CC3D0D85-5BBB-469C-BEE9-FFD5040E5E45}" sibTransId="{AA793FF3-5AFA-4210-9667-53F1D575AA8A}"/>
     <dgm:cxn modelId="{1A38F3A9-5EF6-4A37-918F-669D3053BBC6}" srcId="{6FAABCA6-FB25-4464-A7FE-8DAB65ADB160}" destId="{3B14976E-384F-416F-A29B-E8FAC63812FD}" srcOrd="2" destOrd="0" parTransId="{102EA773-6813-4493-B481-41625C67BB67}" sibTransId="{A68ED465-C83D-40D5-AC50-48EC9B9E047B}"/>
-    <dgm:cxn modelId="{DA120D24-9DD8-4D34-B514-3137CB337301}" type="presOf" srcId="{6FAABCA6-FB25-4464-A7FE-8DAB65ADB160}" destId="{6B800C13-48DA-486C-AB76-42A0E39080B4}" srcOrd="0" destOrd="0" presId="urn:microsoft.com/office/officeart/2005/8/layout/hierarchy3"/>
+    <dgm:cxn modelId="{145AB937-0452-4E9B-8D6D-73A950D0BF82}" type="presOf" srcId="{D5A180AB-7DF3-481E-9E6A-8112F4CF0F95}" destId="{6C93B85E-3278-466C-B612-6AAFBF07EC17}" srcOrd="0" destOrd="0" presId="urn:microsoft.com/office/officeart/2005/8/layout/hierarchy3"/>
     <dgm:cxn modelId="{ADBFE0E5-6CF9-4D69-B512-660D91D7C8A5}" srcId="{E2C34334-2C51-48AE-BAEA-79BB0EFBA6DE}" destId="{D4264C84-DA7B-4508-9532-4644FCDEE5B2}" srcOrd="1" destOrd="0" parTransId="{AF542423-2D2F-4053-9EC6-9262AA8CAB23}" sibTransId="{0EB677F9-9878-4656-8E21-99F08632ACEE}"/>
-    <dgm:cxn modelId="{7CB99BEB-2E83-4F81-BBFC-C156FB3F16DD}" srcId="{6FAABCA6-FB25-4464-A7FE-8DAB65ADB160}" destId="{7D954E31-6A1A-4D62-9F1A-CED7147A433F}" srcOrd="3" destOrd="0" parTransId="{3B313C80-7719-48C4-9962-CB322F2505DC}" sibTransId="{6F30FAE4-10FB-4B10-B496-01CC2B28F0E5}"/>
-    <dgm:cxn modelId="{E3E6B37E-8F5C-4FF4-A187-5C2AB43A961C}" srcId="{410C1EF5-8985-4361-AB5F-F87726CA9932}" destId="{6FAABCA6-FB25-4464-A7FE-8DAB65ADB160}" srcOrd="1" destOrd="0" parTransId="{598F26C7-4B32-4DF1-A80F-8E360B07A788}" sibTransId="{D387E310-DBDE-44F4-A49E-73EB5B7129F5}"/>
     <dgm:cxn modelId="{607A21C6-13C7-403B-B70D-CE5244E9FE13}" type="presOf" srcId="{7D954E31-6A1A-4D62-9F1A-CED7147A433F}" destId="{E85CF6D7-E942-4CD9-9B35-9EDA8088A913}" srcOrd="0" destOrd="0" presId="urn:microsoft.com/office/officeart/2005/8/layout/hierarchy3"/>
-    <dgm:cxn modelId="{DBA053F4-B513-44A5-848F-108D8A642597}" type="presOf" srcId="{E2C34334-2C51-48AE-BAEA-79BB0EFBA6DE}" destId="{C93B9A4A-4AFE-4AF4-9607-29B2F3B172E8}" srcOrd="0" destOrd="0" presId="urn:microsoft.com/office/officeart/2005/8/layout/hierarchy3"/>
-    <dgm:cxn modelId="{96368859-3A55-46AA-8E2B-F59EFD30561D}" type="presOf" srcId="{D4264C84-DA7B-4508-9532-4644FCDEE5B2}" destId="{C149EBB8-3917-4B9E-BF24-523233CE233B}" srcOrd="0" destOrd="0" presId="urn:microsoft.com/office/officeart/2005/8/layout/hierarchy3"/>
-    <dgm:cxn modelId="{5D2513F6-7F6F-4FFB-8754-BD1ED7F35378}" srcId="{E2C34334-2C51-48AE-BAEA-79BB0EFBA6DE}" destId="{4E7475CA-5ED3-4753-BE43-82805BD5328A}" srcOrd="0" destOrd="0" parTransId="{BAEFA4D8-9367-432F-AD2E-0BF0EC661B89}" sibTransId="{5D33EC8F-A5E5-445D-B78B-88E79691FC4D}"/>
-    <dgm:cxn modelId="{AC5EFE5D-BF1C-490B-B539-2084833DC818}" type="presOf" srcId="{313B830B-42E2-4333-BA47-4168C25B7029}" destId="{F4405AB6-BD78-4C65-9EA2-09C31201E929}" srcOrd="0" destOrd="0" presId="urn:microsoft.com/office/officeart/2005/8/layout/hierarchy3"/>
-    <dgm:cxn modelId="{206E7DDE-B887-4F56-BCFC-9E35D1617BCF}" type="presOf" srcId="{BAEFA4D8-9367-432F-AD2E-0BF0EC661B89}" destId="{A6066A99-DDBF-492F-AF61-70D2570F9D90}" srcOrd="0" destOrd="0" presId="urn:microsoft.com/office/officeart/2005/8/layout/hierarchy3"/>
-    <dgm:cxn modelId="{7FC666C2-98C8-4445-95E0-5BAC36D2A5C8}" type="presOf" srcId="{3B14976E-384F-416F-A29B-E8FAC63812FD}" destId="{10D77D0D-C89A-47F1-B7BF-2450E7AE72E3}" srcOrd="0" destOrd="0" presId="urn:microsoft.com/office/officeart/2005/8/layout/hierarchy3"/>
-    <dgm:cxn modelId="{1930EF68-D84A-4118-BDEB-5D89AE770AFC}" type="presOf" srcId="{DA46DD3C-C18E-4591-B4A8-34FA606FD284}" destId="{0F5D0450-2495-4127-BBF5-DF08AA66B43C}" srcOrd="0" destOrd="0" presId="urn:microsoft.com/office/officeart/2005/8/layout/hierarchy3"/>
-    <dgm:cxn modelId="{21EE8E76-7BFB-4D1F-95EA-F0B4E9E10745}" type="presOf" srcId="{4E7475CA-5ED3-4753-BE43-82805BD5328A}" destId="{B346AA34-76C9-41C7-9B9B-9C3C02DCE109}" srcOrd="0" destOrd="0" presId="urn:microsoft.com/office/officeart/2005/8/layout/hierarchy3"/>
-    <dgm:cxn modelId="{784C9011-762D-4060-9F48-A206C73EF34A}" srcId="{410C1EF5-8985-4361-AB5F-F87726CA9932}" destId="{E2C34334-2C51-48AE-BAEA-79BB0EFBA6DE}" srcOrd="0" destOrd="0" parTransId="{CC3D0D85-5BBB-469C-BEE9-FFD5040E5E45}" sibTransId="{AA793FF3-5AFA-4210-9667-53F1D575AA8A}"/>
-    <dgm:cxn modelId="{1ACB8824-29D8-4212-AAA6-9E274D79C335}" type="presOf" srcId="{AF542423-2D2F-4053-9EC6-9262AA8CAB23}" destId="{95820F0A-88BC-4468-89B9-C248448B3CF2}" srcOrd="0" destOrd="0" presId="urn:microsoft.com/office/officeart/2005/8/layout/hierarchy3"/>
-    <dgm:cxn modelId="{E055A557-D019-41BA-B7CF-BCA9146EA9F6}" type="presOf" srcId="{729BA7B8-8FDF-4F8D-A29C-0CF99F4AF7F4}" destId="{E07DC683-12BF-4CA6-A3E8-BFB30DBBD797}" srcOrd="0" destOrd="0" presId="urn:microsoft.com/office/officeart/2005/8/layout/hierarchy3"/>
-    <dgm:cxn modelId="{39365872-F163-454A-9225-67F5EFB0B580}" type="presOf" srcId="{410C1EF5-8985-4361-AB5F-F87726CA9932}" destId="{9E4726B3-E206-4382-9B4E-5C657CBF5592}" srcOrd="0" destOrd="0" presId="urn:microsoft.com/office/officeart/2005/8/layout/hierarchy3"/>
-    <dgm:cxn modelId="{F8C66723-4659-4BF8-ACFF-6ECF371ABBCF}" type="presOf" srcId="{E2C34334-2C51-48AE-BAEA-79BB0EFBA6DE}" destId="{19B1B3E5-463B-43BF-881C-F0D1BAFDFC94}" srcOrd="1" destOrd="0" presId="urn:microsoft.com/office/officeart/2005/8/layout/hierarchy3"/>
-    <dgm:cxn modelId="{B0BE8026-DB7B-45F8-B975-0652AB233C03}" srcId="{E2C34334-2C51-48AE-BAEA-79BB0EFBA6DE}" destId="{DA46DD3C-C18E-4591-B4A8-34FA606FD284}" srcOrd="2" destOrd="0" parTransId="{729BA7B8-8FDF-4F8D-A29C-0CF99F4AF7F4}" sibTransId="{3C78FB92-A926-4CB6-8EA2-E3EC8E00F58D}"/>
-    <dgm:cxn modelId="{0A6035FD-3DC0-4BE0-94EC-4F4B299E16EA}" srcId="{6FAABCA6-FB25-4464-A7FE-8DAB65ADB160}" destId="{E24FF842-F573-4500-B1BC-FBC03C7DB2B6}" srcOrd="0" destOrd="0" parTransId="{313B830B-42E2-4333-BA47-4168C25B7029}" sibTransId="{743D9D6A-6FF1-4544-91FD-9DFF987A092D}"/>
-    <dgm:cxn modelId="{0D4A9A87-F45E-4EE8-870B-424D8FFAC3BE}" type="presOf" srcId="{102EA773-6813-4493-B481-41625C67BB67}" destId="{2242FD2F-21A0-4025-9E75-14F1BC1A1DBC}" srcOrd="0" destOrd="0" presId="urn:microsoft.com/office/officeart/2005/8/layout/hierarchy3"/>
-    <dgm:cxn modelId="{145AB937-0452-4E9B-8D6D-73A950D0BF82}" type="presOf" srcId="{D5A180AB-7DF3-481E-9E6A-8112F4CF0F95}" destId="{6C93B85E-3278-466C-B612-6AAFBF07EC17}" srcOrd="0" destOrd="0" presId="urn:microsoft.com/office/officeart/2005/8/layout/hierarchy3"/>
     <dgm:cxn modelId="{A115839E-06A0-4C74-AC72-6E4412C2BBBD}" type="presOf" srcId="{3B313C80-7719-48C4-9962-CB322F2505DC}" destId="{D7618146-9494-489D-AB1E-AADEC22CD1DF}" srcOrd="0" destOrd="0" presId="urn:microsoft.com/office/officeart/2005/8/layout/hierarchy3"/>
-    <dgm:cxn modelId="{AD2BCC15-2CF5-45E3-9089-B9F634EFEE07}" type="presOf" srcId="{6FAABCA6-FB25-4464-A7FE-8DAB65ADB160}" destId="{8FFD7CFC-5BFE-4DCE-B56D-53514EEE5E62}" srcOrd="1" destOrd="0" presId="urn:microsoft.com/office/officeart/2005/8/layout/hierarchy3"/>
     <dgm:cxn modelId="{11176D53-66EE-4FDB-8B36-DCD13E9EFFC1}" type="presParOf" srcId="{9E4726B3-E206-4382-9B4E-5C657CBF5592}" destId="{C18E7D0E-2377-4DC3-A73A-488B1ABA0937}" srcOrd="0" destOrd="0" presId="urn:microsoft.com/office/officeart/2005/8/layout/hierarchy3"/>
     <dgm:cxn modelId="{CDA53EF7-C0F2-4014-A38E-EF77F4FA5C38}" type="presParOf" srcId="{C18E7D0E-2377-4DC3-A73A-488B1ABA0937}" destId="{E22D4E49-D4EF-4506-B1E7-07C08D243A21}" srcOrd="0" destOrd="0" presId="urn:microsoft.com/office/officeart/2005/8/layout/hierarchy3"/>
     <dgm:cxn modelId="{3C575666-1D3C-450D-A7CC-73AC48AE8F8F}" type="presParOf" srcId="{E22D4E49-D4EF-4506-B1E7-07C08D243A21}" destId="{C93B9A4A-4AFE-4AF4-9607-29B2F3B172E8}" srcOrd="0" destOrd="0" presId="urn:microsoft.com/office/officeart/2005/8/layout/hierarchy3"/>
@@ -9845,222 +9819,6 @@
       <dsp:cNvGrpSpPr/>
     </dsp:nvGrpSpPr>
     <dsp:grpSpPr/>
-    <dsp:sp modelId="{86509580-6736-4725-8811-77ACA6EC24EC}">
-      <dsp:nvSpPr>
-        <dsp:cNvPr id="0" name=""/>
-        <dsp:cNvSpPr/>
-      </dsp:nvSpPr>
-      <dsp:spPr>
-        <a:xfrm>
-          <a:off x="99" y="295141"/>
-          <a:ext cx="2272716" cy="608196"/>
-        </a:xfrm>
-        <a:prstGeom prst="rect">
-          <a:avLst/>
-        </a:prstGeom>
-        <a:solidFill>
-          <a:srgbClr val="00B0F0"/>
-        </a:solidFill>
-        <a:ln w="25400" cap="flat" cmpd="sng" algn="ctr">
-          <a:solidFill>
-            <a:schemeClr val="lt1">
-              <a:hueOff val="0"/>
-              <a:satOff val="0"/>
-              <a:lumOff val="0"/>
-              <a:alphaOff val="0"/>
-            </a:schemeClr>
-          </a:solidFill>
-          <a:prstDash val="solid"/>
-        </a:ln>
-        <a:effectLst/>
-      </dsp:spPr>
-      <dsp:style>
-        <a:lnRef idx="2">
-          <a:scrgbClr r="0" g="0" b="0"/>
-        </a:lnRef>
-        <a:fillRef idx="1">
-          <a:scrgbClr r="0" g="0" b="0"/>
-        </a:fillRef>
-        <a:effectRef idx="0">
-          <a:scrgbClr r="0" g="0" b="0"/>
-        </a:effectRef>
-        <a:fontRef idx="minor">
-          <a:schemeClr val="lt1"/>
-        </a:fontRef>
-      </dsp:style>
-      <dsp:txBody>
-        <a:bodyPr spcFirstLastPara="0" vert="horz" wrap="square" lIns="110490" tIns="110490" rIns="110490" bIns="110490" numCol="1" spcCol="1270" anchor="ctr" anchorCtr="0">
-          <a:noAutofit/>
-        </a:bodyPr>
-        <a:lstStyle/>
-        <a:p>
-          <a:pPr lvl="0" algn="ctr" defTabSz="1289050">
-            <a:lnSpc>
-              <a:spcPct val="90000"/>
-            </a:lnSpc>
-            <a:spcBef>
-              <a:spcPct val="0"/>
-            </a:spcBef>
-            <a:spcAft>
-              <a:spcPct val="35000"/>
-            </a:spcAft>
-          </a:pPr>
-          <a:r>
-            <a:rPr lang="en-US" sz="2900" kern="1200" dirty="0" smtClean="0"/>
-            <a:t>On Demand</a:t>
-          </a:r>
-          <a:endParaRPr lang="ru-RU" sz="2900" kern="1200" dirty="0"/>
-        </a:p>
-      </dsp:txBody>
-      <dsp:txXfrm>
-        <a:off x="99" y="295141"/>
-        <a:ext cx="2272716" cy="608196"/>
-      </dsp:txXfrm>
-    </dsp:sp>
-    <dsp:sp modelId="{40F8FAFE-ABB1-4229-8A15-43D1591A862E}">
-      <dsp:nvSpPr>
-        <dsp:cNvPr id="0" name=""/>
-        <dsp:cNvSpPr/>
-      </dsp:nvSpPr>
-      <dsp:spPr>
-        <a:xfrm>
-          <a:off x="2520273" y="288038"/>
-          <a:ext cx="2400595" cy="608196"/>
-        </a:xfrm>
-        <a:prstGeom prst="rect">
-          <a:avLst/>
-        </a:prstGeom>
-        <a:solidFill>
-          <a:srgbClr val="00B0F0"/>
-        </a:solidFill>
-        <a:ln w="25400" cap="flat" cmpd="sng" algn="ctr">
-          <a:solidFill>
-            <a:schemeClr val="lt1">
-              <a:hueOff val="0"/>
-              <a:satOff val="0"/>
-              <a:lumOff val="0"/>
-              <a:alphaOff val="0"/>
-            </a:schemeClr>
-          </a:solidFill>
-          <a:prstDash val="solid"/>
-        </a:ln>
-        <a:effectLst/>
-      </dsp:spPr>
-      <dsp:style>
-        <a:lnRef idx="2">
-          <a:scrgbClr r="0" g="0" b="0"/>
-        </a:lnRef>
-        <a:fillRef idx="1">
-          <a:scrgbClr r="0" g="0" b="0"/>
-        </a:fillRef>
-        <a:effectRef idx="0">
-          <a:scrgbClr r="0" g="0" b="0"/>
-        </a:effectRef>
-        <a:fontRef idx="minor">
-          <a:schemeClr val="lt1"/>
-        </a:fontRef>
-      </dsp:style>
-      <dsp:txBody>
-        <a:bodyPr spcFirstLastPara="0" vert="horz" wrap="square" lIns="110490" tIns="110490" rIns="110490" bIns="110490" numCol="1" spcCol="1270" anchor="ctr" anchorCtr="0">
-          <a:noAutofit/>
-        </a:bodyPr>
-        <a:lstStyle/>
-        <a:p>
-          <a:pPr lvl="0" algn="ctr" defTabSz="1289050">
-            <a:lnSpc>
-              <a:spcPct val="90000"/>
-            </a:lnSpc>
-            <a:spcBef>
-              <a:spcPct val="0"/>
-            </a:spcBef>
-            <a:spcAft>
-              <a:spcPct val="35000"/>
-            </a:spcAft>
-          </a:pPr>
-          <a:r>
-            <a:rPr lang="en-US" sz="2900" kern="1200" dirty="0" smtClean="0"/>
-            <a:t>Continuous</a:t>
-          </a:r>
-          <a:endParaRPr lang="ru-RU" sz="2900" kern="1200" dirty="0"/>
-        </a:p>
-      </dsp:txBody>
-      <dsp:txXfrm>
-        <a:off x="2520273" y="288038"/>
-        <a:ext cx="2400595" cy="608196"/>
-      </dsp:txXfrm>
-    </dsp:sp>
-    <dsp:sp modelId="{7C417A46-2C37-4B80-A770-B55CFAE703F5}">
-      <dsp:nvSpPr>
-        <dsp:cNvPr id="0" name=""/>
-        <dsp:cNvSpPr/>
-      </dsp:nvSpPr>
-      <dsp:spPr>
-        <a:xfrm>
-          <a:off x="1195826" y="1132673"/>
-          <a:ext cx="2545862" cy="608196"/>
-        </a:xfrm>
-        <a:prstGeom prst="rect">
-          <a:avLst/>
-        </a:prstGeom>
-        <a:solidFill>
-          <a:srgbClr val="00B0F0"/>
-        </a:solidFill>
-        <a:ln w="25400" cap="flat" cmpd="sng" algn="ctr">
-          <a:solidFill>
-            <a:schemeClr val="lt1">
-              <a:hueOff val="0"/>
-              <a:satOff val="0"/>
-              <a:lumOff val="0"/>
-              <a:alphaOff val="0"/>
-            </a:schemeClr>
-          </a:solidFill>
-          <a:prstDash val="solid"/>
-        </a:ln>
-        <a:effectLst/>
-      </dsp:spPr>
-      <dsp:style>
-        <a:lnRef idx="2">
-          <a:scrgbClr r="0" g="0" b="0"/>
-        </a:lnRef>
-        <a:fillRef idx="1">
-          <a:scrgbClr r="0" g="0" b="0"/>
-        </a:fillRef>
-        <a:effectRef idx="0">
-          <a:scrgbClr r="0" g="0" b="0"/>
-        </a:effectRef>
-        <a:fontRef idx="minor">
-          <a:schemeClr val="lt1"/>
-        </a:fontRef>
-      </dsp:style>
-      <dsp:txBody>
-        <a:bodyPr spcFirstLastPara="0" vert="horz" wrap="square" lIns="110490" tIns="110490" rIns="110490" bIns="110490" numCol="1" spcCol="1270" anchor="ctr" anchorCtr="0">
-          <a:noAutofit/>
-        </a:bodyPr>
-        <a:lstStyle/>
-        <a:p>
-          <a:pPr lvl="0" algn="ctr" defTabSz="1289050">
-            <a:lnSpc>
-              <a:spcPct val="90000"/>
-            </a:lnSpc>
-            <a:spcBef>
-              <a:spcPct val="0"/>
-            </a:spcBef>
-            <a:spcAft>
-              <a:spcPct val="35000"/>
-            </a:spcAft>
-          </a:pPr>
-          <a:r>
-            <a:rPr lang="en-US" sz="2900" kern="1200" dirty="0" smtClean="0"/>
-            <a:t>Schedule</a:t>
-          </a:r>
-          <a:endParaRPr lang="ru-RU" sz="2900" kern="1200" dirty="0"/>
-        </a:p>
-      </dsp:txBody>
-      <dsp:txXfrm>
-        <a:off x="1195826" y="1132673"/>
-        <a:ext cx="2545862" cy="608196"/>
-      </dsp:txXfrm>
-    </dsp:sp>
   </dsp:spTree>
 </dsp:drawing>
 </file>
@@ -20302,6 +20060,66 @@
               <a:defRPr/>
             </a:pPr>
             <a:r>
+              <a:rPr lang="en-US" sz="1200" b="1" dirty="0" smtClean="0"/>
+              <a:t>Cost </a:t>
+            </a:r>
+            <a:r>
+              <a:rPr lang="ru-RU" sz="1200" b="1" baseline="0" dirty="0" smtClean="0"/>
+              <a:t>1</a:t>
+            </a:r>
+            <a:r>
+              <a:rPr lang="en-US" sz="1200" b="1" baseline="0" dirty="0" smtClean="0"/>
+              <a:t>$</a:t>
+            </a:r>
+            <a:endParaRPr lang="ru-RU" sz="1200" b="1" dirty="0" smtClean="0"/>
+          </a:p>
+          <a:p>
+            <a:pPr marL="0" marR="0" indent="0" algn="l" defTabSz="914400" rtl="0" eaLnBrk="1" fontAlgn="auto" latinLnBrk="0" hangingPunct="1">
+              <a:lnSpc>
+                <a:spcPct val="100000"/>
+              </a:lnSpc>
+              <a:spcBef>
+                <a:spcPts val="0"/>
+              </a:spcBef>
+              <a:spcAft>
+                <a:spcPts val="0"/>
+              </a:spcAft>
+              <a:buClrTx/>
+              <a:buSzTx/>
+              <a:buFontTx/>
+              <a:buNone/>
+              <a:tabLst/>
+              <a:defRPr/>
+            </a:pPr>
+            <a:endParaRPr lang="en-US" sz="1200" b="1" i="0" kern="1200" dirty="0" smtClean="0">
+              <a:solidFill>
+                <a:schemeClr val="tx1"/>
+              </a:solidFill>
+              <a:effectLst/>
+              <a:latin typeface="+mn-lt"/>
+              <a:ea typeface="+mn-ea"/>
+              <a:cs typeface="+mn-cs"/>
+            </a:endParaRPr>
+          </a:p>
+          <a:p>
+            <a:pPr marL="0" marR="0" indent="0" algn="l" defTabSz="914400" rtl="0" eaLnBrk="1" fontAlgn="auto" latinLnBrk="0" hangingPunct="1">
+              <a:lnSpc>
+                <a:spcPct val="100000"/>
+              </a:lnSpc>
+              <a:spcBef>
+                <a:spcPts val="0"/>
+              </a:spcBef>
+              <a:spcAft>
+                <a:spcPts val="0"/>
+              </a:spcAft>
+              <a:buClrTx/>
+              <a:buSzTx/>
+              <a:buFontTx/>
+              <a:buNone/>
+              <a:tabLst/>
+              <a:defRPr/>
+            </a:pPr>
+            <a:r>
               <a:rPr lang="en-US" sz="1200" b="1" i="0" kern="1200" dirty="0" smtClean="0">
                 <a:solidFill>
                   <a:schemeClr val="tx1"/>
@@ -20311,7 +20129,19 @@
                 <a:ea typeface="+mn-ea"/>
                 <a:cs typeface="+mn-cs"/>
               </a:rPr>
-              <a:t>Free one-month trial</a:t>
+              <a:t>Free </a:t>
+            </a:r>
+            <a:r>
+              <a:rPr lang="en-US" sz="1200" b="1" i="0" kern="1200" dirty="0" smtClean="0">
+                <a:solidFill>
+                  <a:schemeClr val="tx1"/>
+                </a:solidFill>
+                <a:effectLst/>
+                <a:latin typeface="+mn-lt"/>
+                <a:ea typeface="+mn-ea"/>
+                <a:cs typeface="+mn-cs"/>
+              </a:rPr>
+              <a:t>one-month trial</a:t>
             </a:r>
           </a:p>
           <a:p>
@@ -20322,22 +20152,7 @@
             <a:endParaRPr lang="ru-RU" dirty="0" smtClean="0"/>
           </a:p>
           <a:p>
-            <a:endParaRPr lang="ru-RU" dirty="0" smtClean="0"/>
-          </a:p>
-          <a:p>
-            <a:r>
-              <a:rPr lang="ru-RU" dirty="0" smtClean="0"/>
-              <a:t>Снимают</a:t>
-            </a:r>
-            <a:r>
-              <a:rPr lang="ru-RU" baseline="0" dirty="0" smtClean="0"/>
-              <a:t> 1</a:t>
-            </a:r>
-            <a:r>
-              <a:rPr lang="en-US" baseline="0" dirty="0" smtClean="0"/>
-              <a:t>$</a:t>
-            </a:r>
-            <a:endParaRPr lang="ru-RU" dirty="0"/>
+            <a:endParaRPr lang="ru-RU" sz="2400" b="1" dirty="0" smtClean="0"/>
           </a:p>
         </p:txBody>
       </p:sp>
@@ -41585,11 +41400,7 @@
             </a:r>
             <a:r>
               <a:rPr lang="en-US" i="1" dirty="0" smtClean="0"/>
-              <a:t>(HTTPS</a:t>
-            </a:r>
-            <a:r>
-              <a:rPr lang="en-US" i="1" dirty="0" smtClean="0"/>
-              <a:t>)</a:t>
+              <a:t>(HTTPS)</a:t>
             </a:r>
             <a:endParaRPr lang="en-US" i="1" dirty="0"/>
           </a:p>
@@ -41607,7 +41418,6 @@
               <a:rPr lang="en-US" dirty="0" smtClean="0"/>
               <a:t>development</a:t>
             </a:r>
-            <a:endParaRPr lang="en-US" dirty="0" smtClean="0"/>
           </a:p>
           <a:p>
             <a:pPr lvl="1">
@@ -43131,11 +42941,7 @@
               </a:r>
               <a:r>
                 <a:rPr lang="en-US" sz="2400" dirty="0" smtClean="0"/>
-                <a:t>“</a:t>
-              </a:r>
-              <a:r>
-                <a:rPr lang="en-US" sz="2400" dirty="0" smtClean="0"/>
-                <a:t>We </a:t>
+                <a:t>“We </a:t>
               </a:r>
               <a:r>
                 <a:rPr lang="en-US" sz="2400" i="1" dirty="0" smtClean="0"/>
@@ -43256,11 +43062,6 @@
                 </a:rPr>
                 <a:t>%</a:t>
               </a:r>
-              <a:endParaRPr lang="en-US" sz="3600" dirty="0">
-                <a:solidFill>
-                  <a:srgbClr val="FF0000"/>
-                </a:solidFill>
-              </a:endParaRPr>
             </a:p>
           </p:txBody>
         </p:sp>
@@ -50225,11 +50026,7 @@
           <a:p>
             <a:r>
               <a:rPr lang="en-US" dirty="0" smtClean="0"/>
-              <a:t>Pricing </a:t>
-            </a:r>
-            <a:r>
-              <a:rPr lang="en-US" dirty="0" smtClean="0"/>
-              <a:t>Calculator</a:t>
+              <a:t>Pricing Calculator</a:t>
             </a:r>
             <a:endParaRPr lang="ru-RU" dirty="0"/>
           </a:p>
